--- a/2023 весна/лекции/лекция ассемблер нов.pptx
+++ b/2023 весна/лекции/лекция ассемблер нов.pptx
@@ -282,7 +282,7 @@
           <a:p>
             <a:fld id="{29642B24-77BB-4BC1-9DF3-4A3F237C5B04}" type="datetimeFigureOut">
               <a:rPr lang="ru-RU" smtClean="0"/>
-              <a:t>27.09.2021</a:t>
+              <a:t>13.03.2023</a:t>
             </a:fld>
             <a:endParaRPr lang="ru-RU"/>
           </a:p>
@@ -728,7 +728,7 @@
           <a:p>
             <a:fld id="{A194D002-0EC3-4530-B910-76D5CAB57DE5}" type="datetimeFigureOut">
               <a:rPr lang="ru-RU" smtClean="0"/>
-              <a:t>27.09.2021</a:t>
+              <a:t>13.03.2023</a:t>
             </a:fld>
             <a:endParaRPr lang="ru-RU"/>
           </a:p>
@@ -896,7 +896,7 @@
           <a:p>
             <a:fld id="{A194D002-0EC3-4530-B910-76D5CAB57DE5}" type="datetimeFigureOut">
               <a:rPr lang="ru-RU" smtClean="0"/>
-              <a:t>27.09.2021</a:t>
+              <a:t>13.03.2023</a:t>
             </a:fld>
             <a:endParaRPr lang="ru-RU"/>
           </a:p>
@@ -1074,7 +1074,7 @@
           <a:p>
             <a:fld id="{A194D002-0EC3-4530-B910-76D5CAB57DE5}" type="datetimeFigureOut">
               <a:rPr lang="ru-RU" smtClean="0"/>
-              <a:t>27.09.2021</a:t>
+              <a:t>13.03.2023</a:t>
             </a:fld>
             <a:endParaRPr lang="ru-RU"/>
           </a:p>
@@ -1242,7 +1242,7 @@
           <a:p>
             <a:fld id="{A194D002-0EC3-4530-B910-76D5CAB57DE5}" type="datetimeFigureOut">
               <a:rPr lang="ru-RU" smtClean="0"/>
-              <a:t>27.09.2021</a:t>
+              <a:t>13.03.2023</a:t>
             </a:fld>
             <a:endParaRPr lang="ru-RU"/>
           </a:p>
@@ -1487,7 +1487,7 @@
           <a:p>
             <a:fld id="{A194D002-0EC3-4530-B910-76D5CAB57DE5}" type="datetimeFigureOut">
               <a:rPr lang="ru-RU" smtClean="0"/>
-              <a:t>27.09.2021</a:t>
+              <a:t>13.03.2023</a:t>
             </a:fld>
             <a:endParaRPr lang="ru-RU"/>
           </a:p>
@@ -1772,7 +1772,7 @@
           <a:p>
             <a:fld id="{A194D002-0EC3-4530-B910-76D5CAB57DE5}" type="datetimeFigureOut">
               <a:rPr lang="ru-RU" smtClean="0"/>
-              <a:t>27.09.2021</a:t>
+              <a:t>13.03.2023</a:t>
             </a:fld>
             <a:endParaRPr lang="ru-RU"/>
           </a:p>
@@ -2191,7 +2191,7 @@
           <a:p>
             <a:fld id="{A194D002-0EC3-4530-B910-76D5CAB57DE5}" type="datetimeFigureOut">
               <a:rPr lang="ru-RU" smtClean="0"/>
-              <a:t>27.09.2021</a:t>
+              <a:t>13.03.2023</a:t>
             </a:fld>
             <a:endParaRPr lang="ru-RU"/>
           </a:p>
@@ -2308,7 +2308,7 @@
           <a:p>
             <a:fld id="{A194D002-0EC3-4530-B910-76D5CAB57DE5}" type="datetimeFigureOut">
               <a:rPr lang="ru-RU" smtClean="0"/>
-              <a:t>27.09.2021</a:t>
+              <a:t>13.03.2023</a:t>
             </a:fld>
             <a:endParaRPr lang="ru-RU"/>
           </a:p>
@@ -2403,7 +2403,7 @@
           <a:p>
             <a:fld id="{A194D002-0EC3-4530-B910-76D5CAB57DE5}" type="datetimeFigureOut">
               <a:rPr lang="ru-RU" smtClean="0"/>
-              <a:t>27.09.2021</a:t>
+              <a:t>13.03.2023</a:t>
             </a:fld>
             <a:endParaRPr lang="ru-RU"/>
           </a:p>
@@ -2678,7 +2678,7 @@
           <a:p>
             <a:fld id="{A194D002-0EC3-4530-B910-76D5CAB57DE5}" type="datetimeFigureOut">
               <a:rPr lang="ru-RU" smtClean="0"/>
-              <a:t>27.09.2021</a:t>
+              <a:t>13.03.2023</a:t>
             </a:fld>
             <a:endParaRPr lang="ru-RU"/>
           </a:p>
@@ -2930,7 +2930,7 @@
           <a:p>
             <a:fld id="{A194D002-0EC3-4530-B910-76D5CAB57DE5}" type="datetimeFigureOut">
               <a:rPr lang="ru-RU" smtClean="0"/>
-              <a:t>27.09.2021</a:t>
+              <a:t>13.03.2023</a:t>
             </a:fld>
             <a:endParaRPr lang="ru-RU"/>
           </a:p>
@@ -3141,7 +3141,7 @@
           <a:p>
             <a:fld id="{A194D002-0EC3-4530-B910-76D5CAB57DE5}" type="datetimeFigureOut">
               <a:rPr lang="ru-RU" smtClean="0"/>
-              <a:t>27.09.2021</a:t>
+              <a:t>13.03.2023</a:t>
             </a:fld>
             <a:endParaRPr lang="ru-RU"/>
           </a:p>
@@ -4068,22 +4068,22 @@
           <a:p>
             <a:pPr lvl="2"/>
             <a:r>
-              <a:rPr lang="ru-RU" altLang="ru-RU" sz="1500" b="1" dirty="0"/>
+              <a:rPr lang="ru-RU" altLang="ru-RU" sz="1500" b="1" dirty="0" smtClean="0"/>
               <a:t>MODEL F</a:t>
             </a:r>
             <a:r>
-              <a:rPr lang="en-US" altLang="ru-RU" sz="1500" b="1" dirty="0"/>
+              <a:rPr lang="en-US" altLang="ru-RU" sz="1500" b="1" dirty="0" smtClean="0"/>
               <a:t>LAT</a:t>
             </a:r>
             <a:r>
-              <a:rPr lang="ru-RU" altLang="ru-RU" sz="1500" b="1" dirty="0"/>
+              <a:rPr lang="ru-RU" altLang="ru-RU" sz="1500" b="1" dirty="0" smtClean="0"/>
               <a:t>, STDCALL</a:t>
             </a:r>
           </a:p>
           <a:p>
             <a:pPr lvl="2"/>
             <a:r>
-              <a:rPr lang="ru-RU" altLang="ru-RU" sz="1500" b="1" dirty="0"/>
+              <a:rPr lang="ru-RU" altLang="ru-RU" sz="1500" b="1" dirty="0" smtClean="0"/>
               <a:t>.DATA</a:t>
             </a:r>
           </a:p>
@@ -5123,11 +5123,7 @@
             </a:r>
             <a:r>
               <a:rPr lang="ru-RU" dirty="0" smtClean="0"/>
-              <a:t>или выход из ветвления</a:t>
-            </a:r>
-            <a:r>
-              <a:rPr lang="ru-RU" dirty="0" smtClean="0"/>
-              <a:t>)</a:t>
+              <a:t>или выход из ветвления)</a:t>
             </a:r>
             <a:endParaRPr lang="en-US" dirty="0" smtClean="0"/>
           </a:p>
@@ -6995,7 +6991,7 @@
         </p:nvSpPr>
         <p:spPr>
           <a:xfrm>
-            <a:off x="346026" y="2276872"/>
+            <a:off x="519818" y="2379929"/>
             <a:ext cx="4248472" cy="3016210"/>
           </a:xfrm>
           <a:prstGeom prst="rect">
@@ -7405,7 +7401,7 @@
         </p:nvSpPr>
         <p:spPr>
           <a:xfrm>
-            <a:off x="107504" y="788223"/>
+            <a:off x="395536" y="764704"/>
             <a:ext cx="8928992" cy="5170646"/>
           </a:xfrm>
           <a:prstGeom prst="rect">
@@ -9749,15 +9745,38 @@
           <a:p>
             <a:pPr lvl="1"/>
             <a:r>
+              <a:rPr lang="ru-RU" dirty="0" smtClean="0"/>
+              <a:t>Синтаксис </a:t>
+            </a:r>
+            <a:r>
               <a:rPr lang="ru-RU" dirty="0"/>
-              <a:t> Синтаксис команды полностью идентичен команде ADD. </a:t>
+              <a:t>команды полностью идентичен команде ADD. </a:t>
             </a:r>
           </a:p>
           <a:p>
             <a:pPr lvl="1"/>
             <a:r>
+              <a:rPr lang="ru-RU" dirty="0" smtClean="0"/>
+              <a:t>ADC </a:t>
+            </a:r>
+            <a:r>
               <a:rPr lang="ru-RU" dirty="0"/>
-              <a:t> ADC после выполнения сложения прибавляет к результату значение флага CF, т. е. если этот флаг выставлен, то происходит инкремент результата.</a:t>
+              <a:t>после выполнения сложения прибавляет к результату значение флага CF, </a:t>
+            </a:r>
+            <a:r>
+              <a:rPr lang="en-US" dirty="0" smtClean="0"/>
+              <a:t/>
+            </a:r>
+            <a:br>
+              <a:rPr lang="en-US" dirty="0" smtClean="0"/>
+            </a:br>
+            <a:r>
+              <a:rPr lang="ru-RU" dirty="0" smtClean="0"/>
+              <a:t>т</a:t>
+            </a:r>
+            <a:r>
+              <a:rPr lang="ru-RU" dirty="0"/>
+              <a:t>. е. если этот флаг выставлен, то происходит инкремент результата.</a:t>
             </a:r>
           </a:p>
           <a:p>
@@ -9851,8 +9870,12 @@
           <a:p>
             <a:pPr lvl="1"/>
             <a:r>
+              <a:rPr lang="ru-RU" dirty="0" smtClean="0"/>
+              <a:t>команда </a:t>
+            </a:r>
+            <a:r>
               <a:rPr lang="ru-RU" dirty="0"/>
-              <a:t> команда «выталкивает» из стека значение и заносит его в регистр флагов. Соответственно работают команды POPFD и POPFQ.</a:t>
+              <a:t>«выталкивает» из стека значение и заносит его в регистр флагов. Соответственно работают команды POPFD и POPFQ.</a:t>
             </a:r>
           </a:p>
         </p:txBody>
@@ -10694,7 +10717,7 @@
         </p:nvSpPr>
         <p:spPr>
           <a:xfrm>
-            <a:off x="467544" y="1052736"/>
+            <a:off x="534656" y="1052736"/>
             <a:ext cx="8208912" cy="4328364"/>
           </a:xfrm>
           <a:prstGeom prst="rect">
@@ -19854,14 +19877,14 @@
                         </a:spcAft>
                       </a:pPr>
                       <a:r>
-                        <a:rPr lang="ru-RU" sz="1400">
+                        <a:rPr lang="ru-RU" sz="1400" dirty="0">
                           <a:effectLst/>
                           <a:latin typeface="Times New Roman" panose="02020603050405020304" pitchFamily="18" charset="0"/>
                         </a:rPr>
                         <a:t>Векторное сложение </a:t>
                       </a:r>
                       <a:r>
-                        <a:rPr lang="en-US" sz="1400">
+                        <a:rPr lang="en-US" sz="1400" dirty="0">
                           <a:effectLst/>
                           <a:latin typeface="Times New Roman" panose="02020603050405020304" pitchFamily="18" charset="0"/>
                         </a:rPr>
@@ -20558,11 +20581,25 @@
                         </a:spcAft>
                       </a:pPr>
                       <a:r>
-                        <a:rPr lang="ru-RU" sz="1400">
+                        <a:rPr lang="ru-RU" sz="1400" dirty="0">
                           <a:effectLst/>
                           <a:latin typeface="Times New Roman" panose="02020603050405020304" pitchFamily="18" charset="0"/>
                         </a:rPr>
-                        <a:t>загрузка 4-х упакованных float с дублированием 1-го и 3-го элементов</a:t>
+                        <a:t>загрузка 4-х упакованных </a:t>
+                      </a:r>
+                      <a:r>
+                        <a:rPr lang="ru-RU" sz="1400" dirty="0" err="1">
+                          <a:effectLst/>
+                          <a:latin typeface="Times New Roman" panose="02020603050405020304" pitchFamily="18" charset="0"/>
+                        </a:rPr>
+                        <a:t>float</a:t>
+                      </a:r>
+                      <a:r>
+                        <a:rPr lang="ru-RU" sz="1400" dirty="0">
+                          <a:effectLst/>
+                          <a:latin typeface="Times New Roman" panose="02020603050405020304" pitchFamily="18" charset="0"/>
+                        </a:rPr>
+                        <a:t> с дублированием 1-го и 3-го элементов</a:t>
                       </a:r>
                     </a:p>
                   </a:txBody>
